--- a/Doc/Présentation_projet.pptx
+++ b/Doc/Présentation_projet.pptx
@@ -125,7 +125,7 @@
   </p:defaultTextStyle>
   <p:extLst>
     <p:ext uri="{EFAFB233-063F-42B5-8137-9DF3F51BA10A}">
-      <p15:sldGuideLst xmlns:p15="http://schemas.microsoft.com/office/powerpoint/2012/main" xmlns="">
+      <p15:sldGuideLst xmlns:p15="http://schemas.microsoft.com/office/powerpoint/2012/main">
         <p15:guide id="1" orient="horz" pos="2160" userDrawn="1">
           <p15:clr>
             <a:srgbClr val="A4A3A4"/>
@@ -137,6 +137,20 @@
           </p15:clr>
         </p15:guide>
       </p15:sldGuideLst>
+    </p:ext>
+    <p:ext uri="{2D200454-40CA-4A62-9FC3-DE9A4176ACB9}">
+      <p15:notesGuideLst xmlns:p15="http://schemas.microsoft.com/office/powerpoint/2012/main">
+        <p15:guide id="1" orient="horz" pos="2880">
+          <p15:clr>
+            <a:srgbClr val="A4A3A4"/>
+          </p15:clr>
+        </p15:guide>
+        <p15:guide id="2" pos="2160">
+          <p15:clr>
+            <a:srgbClr val="A4A3A4"/>
+          </p15:clr>
+        </p15:guide>
+      </p15:notesGuideLst>
     </p:ext>
   </p:extLst>
 </p:presentation>
@@ -4749,23 +4763,7 @@
                   <a:srgbClr val="254061"/>
                 </a:solidFill>
               </a:rPr>
-              <a:t>- </a:t>
-            </a:r>
-            <a:r>
-              <a:rPr lang="fr-FR" sz="3200" dirty="0" smtClean="0">
-                <a:solidFill>
-                  <a:srgbClr val="254061"/>
-                </a:solidFill>
-              </a:rPr>
-              <a:t>Partie </a:t>
-            </a:r>
-            <a:r>
-              <a:rPr lang="fr-FR" sz="3200" dirty="0">
-                <a:solidFill>
-                  <a:srgbClr val="254061"/>
-                </a:solidFill>
-              </a:rPr>
-              <a:t>dynamique destiné à un visiteur</a:t>
+              <a:t>- Site dynamique destiné à un visiteur</a:t>
             </a:r>
           </a:p>
         </p:txBody>
@@ -4798,23 +4796,7 @@
                   <a:srgbClr val="254061"/>
                 </a:solidFill>
               </a:rPr>
-              <a:t>- </a:t>
-            </a:r>
-            <a:r>
-              <a:rPr lang="fr-FR" sz="3200" dirty="0" smtClean="0">
-                <a:solidFill>
-                  <a:srgbClr val="254061"/>
-                </a:solidFill>
-              </a:rPr>
-              <a:t>Partie </a:t>
-            </a:r>
-            <a:r>
-              <a:rPr lang="fr-FR" sz="3200" dirty="0">
-                <a:solidFill>
-                  <a:srgbClr val="254061"/>
-                </a:solidFill>
-              </a:rPr>
-              <a:t>administrateur destiné à l’agence</a:t>
+              <a:t>- Site administrateur destiné à l’agence</a:t>
             </a:r>
           </a:p>
         </p:txBody>
@@ -10263,36 +10245,6 @@
           </a:p>
         </p:txBody>
       </p:sp>
-      <p:sp>
-        <p:nvSpPr>
-          <p:cNvPr id="7" name="ZoneTexte 6"/>
-          <p:cNvSpPr txBox="1"/>
-          <p:nvPr/>
-        </p:nvSpPr>
-        <p:spPr>
-          <a:xfrm>
-            <a:off x="7032104" y="4077072"/>
-            <a:ext cx="2592288" cy="369332"/>
-          </a:xfrm>
-          <a:prstGeom prst="rect">
-            <a:avLst/>
-          </a:prstGeom>
-          <a:noFill/>
-        </p:spPr>
-        <p:txBody>
-          <a:bodyPr wrap="square" rtlCol="0">
-            <a:spAutoFit/>
-          </a:bodyPr>
-          <a:lstStyle/>
-          <a:p>
-            <a:r>
-              <a:rPr lang="fr-FR" dirty="0" err="1" smtClean="0"/>
-              <a:t>sql</a:t>
-            </a:r>
-            <a:endParaRPr lang="fr-FR" dirty="0"/>
-          </a:p>
-        </p:txBody>
-      </p:sp>
     </p:spTree>
     <p:extLst>
       <p:ext uri="{BB962C8B-B14F-4D97-AF65-F5344CB8AC3E}">
@@ -14258,7 +14210,7 @@
         <p:spPr>
           <a:xfrm>
             <a:off x="3950956" y="3141838"/>
-            <a:ext cx="4316951" cy="646331"/>
+            <a:ext cx="4733732" cy="646331"/>
           </a:xfrm>
           <a:prstGeom prst="rect">
             <a:avLst/>
@@ -14283,7 +14235,37 @@
                   </a:outerShdw>
                 </a:effectLst>
               </a:rPr>
-              <a:t>Merci de votre écoute</a:t>
+              <a:t>Merci </a:t>
+            </a:r>
+            <a:r>
+              <a:rPr lang="fr-FR" sz="3600" dirty="0" smtClean="0">
+                <a:solidFill>
+                  <a:srgbClr val="254061"/>
+                </a:solidFill>
+                <a:effectLst>
+                  <a:outerShdw blurRad="50800" dist="38100" dir="2700000" algn="tl" rotWithShape="0">
+                    <a:prstClr val="black">
+                      <a:alpha val="40000"/>
+                    </a:prstClr>
+                  </a:outerShdw>
+                </a:effectLst>
+              </a:rPr>
+              <a:t>pour </a:t>
+            </a:r>
+            <a:r>
+              <a:rPr lang="fr-FR" sz="3600" dirty="0" smtClean="0">
+                <a:solidFill>
+                  <a:srgbClr val="254061"/>
+                </a:solidFill>
+                <a:effectLst>
+                  <a:outerShdw blurRad="50800" dist="38100" dir="2700000" algn="tl" rotWithShape="0">
+                    <a:prstClr val="black">
+                      <a:alpha val="40000"/>
+                    </a:prstClr>
+                  </a:outerShdw>
+                </a:effectLst>
+              </a:rPr>
+              <a:t>votre écoute</a:t>
             </a:r>
             <a:endParaRPr lang="fr-FR" sz="3600" dirty="0">
               <a:solidFill>
@@ -14610,36 +14592,6 @@
           </a:prstGeom>
         </p:spPr>
       </p:pic>
-      <p:sp>
-        <p:nvSpPr>
-          <p:cNvPr id="3" name="ZoneTexte 2"/>
-          <p:cNvSpPr txBox="1"/>
-          <p:nvPr/>
-        </p:nvSpPr>
-        <p:spPr>
-          <a:xfrm>
-            <a:off x="3287688" y="908720"/>
-            <a:ext cx="5616624" cy="369332"/>
-          </a:xfrm>
-          <a:prstGeom prst="rect">
-            <a:avLst/>
-          </a:prstGeom>
-          <a:noFill/>
-        </p:spPr>
-        <p:txBody>
-          <a:bodyPr wrap="square" rtlCol="0">
-            <a:spAutoFit/>
-          </a:bodyPr>
-          <a:lstStyle/>
-          <a:p>
-            <a:r>
-              <a:rPr lang="fr-FR" dirty="0" smtClean="0"/>
-              <a:t>Analyse des besoins</a:t>
-            </a:r>
-            <a:endParaRPr lang="fr-FR" dirty="0"/>
-          </a:p>
-        </p:txBody>
-      </p:sp>
     </p:spTree>
     <p:extLst>
       <p:ext uri="{BB962C8B-B14F-4D97-AF65-F5344CB8AC3E}">
@@ -14904,8 +14856,8 @@
         </p:blipFill>
         <p:spPr>
           <a:xfrm>
-            <a:off x="4367808" y="2564904"/>
-            <a:ext cx="6733824" cy="3216968"/>
+            <a:off x="4871864" y="3400419"/>
+            <a:ext cx="4517528" cy="2158171"/>
           </a:xfrm>
           <a:prstGeom prst="rect">
             <a:avLst/>
@@ -14920,7 +14872,7 @@
         </p:nvSpPr>
         <p:spPr>
           <a:xfrm>
-            <a:off x="1403356" y="4173388"/>
+            <a:off x="2351584" y="4294838"/>
             <a:ext cx="2016224" cy="369332"/>
           </a:xfrm>
           <a:prstGeom prst="rect">
@@ -17148,8 +17100,8 @@
         </p:blipFill>
         <p:spPr>
           <a:xfrm>
-            <a:off x="1417355" y="2996952"/>
-            <a:ext cx="10151253" cy="3046890"/>
+            <a:off x="2063552" y="3465004"/>
+            <a:ext cx="8591855" cy="2578838"/>
           </a:xfrm>
           <a:prstGeom prst="rect">
             <a:avLst/>
